--- a/ppt 16-9/0256.大开城门.pptx
+++ b/ppt 16-9/0256.大开城门.pptx
@@ -5,7 +5,7 @@
     <p:sldMasterId id="2147483648" r:id="rId1"/>
   </p:sldMasterIdLst>
   <p:sldIdLst>
-    <p:sldId id="3103" r:id="rId2"/>
+    <p:sldId id="3105" r:id="rId2"/>
   </p:sldIdLst>
   <p:sldSz cx="12192000" cy="6858000"/>
   <p:notesSz cx="6858000" cy="9144000"/>
@@ -129,7 +129,7 @@
           <p:cNvPr id="2" name="标题 1">
             <a:extLst>
               <a:ext uri="{FF2B5EF4-FFF2-40B4-BE49-F238E27FC236}">
-                <a16:creationId xmlns:a16="http://schemas.microsoft.com/office/drawing/2014/main" id="{7CEF7203-EFE3-1AA6-0357-B17E91FA88EF}"/>
+                <a16:creationId xmlns:a16="http://schemas.microsoft.com/office/drawing/2014/main" id="{39C20467-9707-6C08-70B5-2DD0A5BF4D4E}"/>
               </a:ext>
             </a:extLst>
           </p:cNvPr>
@@ -166,7 +166,7 @@
           <p:cNvPr id="3" name="副标题 2">
             <a:extLst>
               <a:ext uri="{FF2B5EF4-FFF2-40B4-BE49-F238E27FC236}">
-                <a16:creationId xmlns:a16="http://schemas.microsoft.com/office/drawing/2014/main" id="{683336BE-5ED1-5750-8AD2-6E5B6B6081B3}"/>
+                <a16:creationId xmlns:a16="http://schemas.microsoft.com/office/drawing/2014/main" id="{A90485E5-6F51-7146-57B5-6CAB46759060}"/>
               </a:ext>
             </a:extLst>
           </p:cNvPr>
@@ -236,7 +236,7 @@
           <p:cNvPr id="4" name="日期占位符 3">
             <a:extLst>
               <a:ext uri="{FF2B5EF4-FFF2-40B4-BE49-F238E27FC236}">
-                <a16:creationId xmlns:a16="http://schemas.microsoft.com/office/drawing/2014/main" id="{B32314DF-BC27-8E28-61C8-2E5CCCFE4B6C}"/>
+                <a16:creationId xmlns:a16="http://schemas.microsoft.com/office/drawing/2014/main" id="{64177C01-2F51-01C7-0643-DE4A5709E629}"/>
               </a:ext>
             </a:extLst>
           </p:cNvPr>
@@ -252,7 +252,7 @@
           <a:bodyPr/>
           <a:lstStyle/>
           <a:p>
-            <a:fld id="{C1C0C65C-CC4E-4410-A8CF-45B0C53D5105}" type="datetimeFigureOut">
+            <a:fld id="{5E09220F-4BEC-4186-9481-8F7EB1485C57}" type="datetimeFigureOut">
               <a:rPr lang="zh-CN" altLang="en-US" smtClean="0"/>
               <a:t>2024/3/10</a:t>
             </a:fld>
@@ -265,7 +265,7 @@
           <p:cNvPr id="5" name="页脚占位符 4">
             <a:extLst>
               <a:ext uri="{FF2B5EF4-FFF2-40B4-BE49-F238E27FC236}">
-                <a16:creationId xmlns:a16="http://schemas.microsoft.com/office/drawing/2014/main" id="{20146CDF-8DC2-DD52-4FF5-4EA131FAC210}"/>
+                <a16:creationId xmlns:a16="http://schemas.microsoft.com/office/drawing/2014/main" id="{3A69237A-A92D-3397-C6E3-29102276B4EA}"/>
               </a:ext>
             </a:extLst>
           </p:cNvPr>
@@ -290,7 +290,7 @@
           <p:cNvPr id="6" name="灯片编号占位符 5">
             <a:extLst>
               <a:ext uri="{FF2B5EF4-FFF2-40B4-BE49-F238E27FC236}">
-                <a16:creationId xmlns:a16="http://schemas.microsoft.com/office/drawing/2014/main" id="{071B478F-BB69-B58F-F940-E0060B77A664}"/>
+                <a16:creationId xmlns:a16="http://schemas.microsoft.com/office/drawing/2014/main" id="{1FEFC092-2672-3950-0C9D-A40239F8A6BF}"/>
               </a:ext>
             </a:extLst>
           </p:cNvPr>
@@ -306,7 +306,7 @@
           <a:bodyPr/>
           <a:lstStyle/>
           <a:p>
-            <a:fld id="{1AA11DD3-708A-4631-9339-B2D9042C3C1D}" type="slidenum">
+            <a:fld id="{851C6EF0-FDA2-4969-AD41-18AD68F80A13}" type="slidenum">
               <a:rPr lang="zh-CN" altLang="en-US" smtClean="0"/>
               <a:t>‹#›</a:t>
             </a:fld>
@@ -317,7 +317,7 @@
     </p:spTree>
     <p:extLst>
       <p:ext uri="{BB962C8B-B14F-4D97-AF65-F5344CB8AC3E}">
-        <p14:creationId xmlns:p14="http://schemas.microsoft.com/office/powerpoint/2010/main" val="2141829759"/>
+        <p14:creationId xmlns:p14="http://schemas.microsoft.com/office/powerpoint/2010/main" val="1581971959"/>
       </p:ext>
     </p:extLst>
   </p:cSld>
@@ -349,7 +349,7 @@
           <p:cNvPr id="2" name="标题 1">
             <a:extLst>
               <a:ext uri="{FF2B5EF4-FFF2-40B4-BE49-F238E27FC236}">
-                <a16:creationId xmlns:a16="http://schemas.microsoft.com/office/drawing/2014/main" id="{7CD9C939-66D4-3E64-1184-76B8CB1D6544}"/>
+                <a16:creationId xmlns:a16="http://schemas.microsoft.com/office/drawing/2014/main" id="{0496F5AA-B747-1944-69CC-EA11D0C4DF96}"/>
               </a:ext>
             </a:extLst>
           </p:cNvPr>
@@ -377,7 +377,7 @@
           <p:cNvPr id="3" name="竖排文字占位符 2">
             <a:extLst>
               <a:ext uri="{FF2B5EF4-FFF2-40B4-BE49-F238E27FC236}">
-                <a16:creationId xmlns:a16="http://schemas.microsoft.com/office/drawing/2014/main" id="{C41FC29A-5CEE-0AA3-3573-D4DE3F758833}"/>
+                <a16:creationId xmlns:a16="http://schemas.microsoft.com/office/drawing/2014/main" id="{5A01C3B7-45D9-D4B8-6FFE-EBD2B4ABABA2}"/>
               </a:ext>
             </a:extLst>
           </p:cNvPr>
@@ -434,7 +434,7 @@
           <p:cNvPr id="4" name="日期占位符 3">
             <a:extLst>
               <a:ext uri="{FF2B5EF4-FFF2-40B4-BE49-F238E27FC236}">
-                <a16:creationId xmlns:a16="http://schemas.microsoft.com/office/drawing/2014/main" id="{20351A7E-C2F2-0691-A236-195A3B8DE1D6}"/>
+                <a16:creationId xmlns:a16="http://schemas.microsoft.com/office/drawing/2014/main" id="{78A38CE5-2750-0A4D-9A35-C294B2E48AEE}"/>
               </a:ext>
             </a:extLst>
           </p:cNvPr>
@@ -450,7 +450,7 @@
           <a:bodyPr/>
           <a:lstStyle/>
           <a:p>
-            <a:fld id="{C1C0C65C-CC4E-4410-A8CF-45B0C53D5105}" type="datetimeFigureOut">
+            <a:fld id="{5E09220F-4BEC-4186-9481-8F7EB1485C57}" type="datetimeFigureOut">
               <a:rPr lang="zh-CN" altLang="en-US" smtClean="0"/>
               <a:t>2024/3/10</a:t>
             </a:fld>
@@ -463,7 +463,7 @@
           <p:cNvPr id="5" name="页脚占位符 4">
             <a:extLst>
               <a:ext uri="{FF2B5EF4-FFF2-40B4-BE49-F238E27FC236}">
-                <a16:creationId xmlns:a16="http://schemas.microsoft.com/office/drawing/2014/main" id="{AC9FB79F-8418-63CF-8120-CDD0D0087E7E}"/>
+                <a16:creationId xmlns:a16="http://schemas.microsoft.com/office/drawing/2014/main" id="{5D50262D-F200-2E59-F267-2809D0D9C76E}"/>
               </a:ext>
             </a:extLst>
           </p:cNvPr>
@@ -488,7 +488,7 @@
           <p:cNvPr id="6" name="灯片编号占位符 5">
             <a:extLst>
               <a:ext uri="{FF2B5EF4-FFF2-40B4-BE49-F238E27FC236}">
-                <a16:creationId xmlns:a16="http://schemas.microsoft.com/office/drawing/2014/main" id="{82A9D6BE-3707-E75F-D6B7-E528D73D9533}"/>
+                <a16:creationId xmlns:a16="http://schemas.microsoft.com/office/drawing/2014/main" id="{CBAB20B0-5407-850A-0A39-2B0D0E483482}"/>
               </a:ext>
             </a:extLst>
           </p:cNvPr>
@@ -504,7 +504,7 @@
           <a:bodyPr/>
           <a:lstStyle/>
           <a:p>
-            <a:fld id="{1AA11DD3-708A-4631-9339-B2D9042C3C1D}" type="slidenum">
+            <a:fld id="{851C6EF0-FDA2-4969-AD41-18AD68F80A13}" type="slidenum">
               <a:rPr lang="zh-CN" altLang="en-US" smtClean="0"/>
               <a:t>‹#›</a:t>
             </a:fld>
@@ -515,7 +515,7 @@
     </p:spTree>
     <p:extLst>
       <p:ext uri="{BB962C8B-B14F-4D97-AF65-F5344CB8AC3E}">
-        <p14:creationId xmlns:p14="http://schemas.microsoft.com/office/powerpoint/2010/main" val="4036080031"/>
+        <p14:creationId xmlns:p14="http://schemas.microsoft.com/office/powerpoint/2010/main" val="483436797"/>
       </p:ext>
     </p:extLst>
   </p:cSld>
@@ -547,7 +547,7 @@
           <p:cNvPr id="2" name="竖排标题 1">
             <a:extLst>
               <a:ext uri="{FF2B5EF4-FFF2-40B4-BE49-F238E27FC236}">
-                <a16:creationId xmlns:a16="http://schemas.microsoft.com/office/drawing/2014/main" id="{7900933A-9A61-AEB5-EF14-25CE80DE630B}"/>
+                <a16:creationId xmlns:a16="http://schemas.microsoft.com/office/drawing/2014/main" id="{1CCE3D2B-7144-9AC6-28DD-24FFE9E9DBB0}"/>
               </a:ext>
             </a:extLst>
           </p:cNvPr>
@@ -580,7 +580,7 @@
           <p:cNvPr id="3" name="竖排文字占位符 2">
             <a:extLst>
               <a:ext uri="{FF2B5EF4-FFF2-40B4-BE49-F238E27FC236}">
-                <a16:creationId xmlns:a16="http://schemas.microsoft.com/office/drawing/2014/main" id="{DA2687A1-6F4D-AF89-3E57-B0005C089B2C}"/>
+                <a16:creationId xmlns:a16="http://schemas.microsoft.com/office/drawing/2014/main" id="{1586A06E-3B6C-C91C-47A5-104A7CF374FC}"/>
               </a:ext>
             </a:extLst>
           </p:cNvPr>
@@ -642,7 +642,7 @@
           <p:cNvPr id="4" name="日期占位符 3">
             <a:extLst>
               <a:ext uri="{FF2B5EF4-FFF2-40B4-BE49-F238E27FC236}">
-                <a16:creationId xmlns:a16="http://schemas.microsoft.com/office/drawing/2014/main" id="{278373CD-1A12-7589-53C1-3150D67BF1D4}"/>
+                <a16:creationId xmlns:a16="http://schemas.microsoft.com/office/drawing/2014/main" id="{F28C04B1-0598-35B1-7DD9-85564061C8D5}"/>
               </a:ext>
             </a:extLst>
           </p:cNvPr>
@@ -658,7 +658,7 @@
           <a:bodyPr/>
           <a:lstStyle/>
           <a:p>
-            <a:fld id="{C1C0C65C-CC4E-4410-A8CF-45B0C53D5105}" type="datetimeFigureOut">
+            <a:fld id="{5E09220F-4BEC-4186-9481-8F7EB1485C57}" type="datetimeFigureOut">
               <a:rPr lang="zh-CN" altLang="en-US" smtClean="0"/>
               <a:t>2024/3/10</a:t>
             </a:fld>
@@ -671,7 +671,7 @@
           <p:cNvPr id="5" name="页脚占位符 4">
             <a:extLst>
               <a:ext uri="{FF2B5EF4-FFF2-40B4-BE49-F238E27FC236}">
-                <a16:creationId xmlns:a16="http://schemas.microsoft.com/office/drawing/2014/main" id="{4A52C728-66EF-EF61-5AEE-FD9985AD6B49}"/>
+                <a16:creationId xmlns:a16="http://schemas.microsoft.com/office/drawing/2014/main" id="{435E0D8E-2F0C-A6DB-39EE-03C0D3CD5BE8}"/>
               </a:ext>
             </a:extLst>
           </p:cNvPr>
@@ -696,7 +696,7 @@
           <p:cNvPr id="6" name="灯片编号占位符 5">
             <a:extLst>
               <a:ext uri="{FF2B5EF4-FFF2-40B4-BE49-F238E27FC236}">
-                <a16:creationId xmlns:a16="http://schemas.microsoft.com/office/drawing/2014/main" id="{03F9198E-F875-D610-D210-8CF288CA2B9A}"/>
+                <a16:creationId xmlns:a16="http://schemas.microsoft.com/office/drawing/2014/main" id="{76B7A6B9-F1F9-38A3-860E-650711BC7CCF}"/>
               </a:ext>
             </a:extLst>
           </p:cNvPr>
@@ -712,7 +712,7 @@
           <a:bodyPr/>
           <a:lstStyle/>
           <a:p>
-            <a:fld id="{1AA11DD3-708A-4631-9339-B2D9042C3C1D}" type="slidenum">
+            <a:fld id="{851C6EF0-FDA2-4969-AD41-18AD68F80A13}" type="slidenum">
               <a:rPr lang="zh-CN" altLang="en-US" smtClean="0"/>
               <a:t>‹#›</a:t>
             </a:fld>
@@ -723,7 +723,7 @@
     </p:spTree>
     <p:extLst>
       <p:ext uri="{BB962C8B-B14F-4D97-AF65-F5344CB8AC3E}">
-        <p14:creationId xmlns:p14="http://schemas.microsoft.com/office/powerpoint/2010/main" val="2226314145"/>
+        <p14:creationId xmlns:p14="http://schemas.microsoft.com/office/powerpoint/2010/main" val="1553928800"/>
       </p:ext>
     </p:extLst>
   </p:cSld>
@@ -755,7 +755,7 @@
           <p:cNvPr id="2" name="标题 1">
             <a:extLst>
               <a:ext uri="{FF2B5EF4-FFF2-40B4-BE49-F238E27FC236}">
-                <a16:creationId xmlns:a16="http://schemas.microsoft.com/office/drawing/2014/main" id="{69E8A24F-4045-91F0-0FEE-CF695CAF012D}"/>
+                <a16:creationId xmlns:a16="http://schemas.microsoft.com/office/drawing/2014/main" id="{C5E16BFB-70EA-48DA-DAEB-7E9D67A7B288}"/>
               </a:ext>
             </a:extLst>
           </p:cNvPr>
@@ -783,7 +783,7 @@
           <p:cNvPr id="3" name="内容占位符 2">
             <a:extLst>
               <a:ext uri="{FF2B5EF4-FFF2-40B4-BE49-F238E27FC236}">
-                <a16:creationId xmlns:a16="http://schemas.microsoft.com/office/drawing/2014/main" id="{2EBE98A8-E102-E54F-1EE1-5C2699744516}"/>
+                <a16:creationId xmlns:a16="http://schemas.microsoft.com/office/drawing/2014/main" id="{60AD8523-51F4-AB74-92ED-A5CFD6FAF594}"/>
               </a:ext>
             </a:extLst>
           </p:cNvPr>
@@ -840,7 +840,7 @@
           <p:cNvPr id="4" name="日期占位符 3">
             <a:extLst>
               <a:ext uri="{FF2B5EF4-FFF2-40B4-BE49-F238E27FC236}">
-                <a16:creationId xmlns:a16="http://schemas.microsoft.com/office/drawing/2014/main" id="{B2997E87-4F2A-6DD5-4405-D4E2D6AE92B4}"/>
+                <a16:creationId xmlns:a16="http://schemas.microsoft.com/office/drawing/2014/main" id="{D918D086-8D3C-979A-1EA8-C0C5EDF31801}"/>
               </a:ext>
             </a:extLst>
           </p:cNvPr>
@@ -856,7 +856,7 @@
           <a:bodyPr/>
           <a:lstStyle/>
           <a:p>
-            <a:fld id="{C1C0C65C-CC4E-4410-A8CF-45B0C53D5105}" type="datetimeFigureOut">
+            <a:fld id="{5E09220F-4BEC-4186-9481-8F7EB1485C57}" type="datetimeFigureOut">
               <a:rPr lang="zh-CN" altLang="en-US" smtClean="0"/>
               <a:t>2024/3/10</a:t>
             </a:fld>
@@ -869,7 +869,7 @@
           <p:cNvPr id="5" name="页脚占位符 4">
             <a:extLst>
               <a:ext uri="{FF2B5EF4-FFF2-40B4-BE49-F238E27FC236}">
-                <a16:creationId xmlns:a16="http://schemas.microsoft.com/office/drawing/2014/main" id="{6C942E76-055D-E359-E1F2-1B03569EFE50}"/>
+                <a16:creationId xmlns:a16="http://schemas.microsoft.com/office/drawing/2014/main" id="{8DB67E5A-1128-CF6C-3C4A-6B2A7334BA70}"/>
               </a:ext>
             </a:extLst>
           </p:cNvPr>
@@ -894,7 +894,7 @@
           <p:cNvPr id="6" name="灯片编号占位符 5">
             <a:extLst>
               <a:ext uri="{FF2B5EF4-FFF2-40B4-BE49-F238E27FC236}">
-                <a16:creationId xmlns:a16="http://schemas.microsoft.com/office/drawing/2014/main" id="{DD7C87B7-A6F3-FA4C-E5BA-14A96171A984}"/>
+                <a16:creationId xmlns:a16="http://schemas.microsoft.com/office/drawing/2014/main" id="{553B97B8-DEFE-C95E-85DB-FE323882A3BE}"/>
               </a:ext>
             </a:extLst>
           </p:cNvPr>
@@ -910,7 +910,7 @@
           <a:bodyPr/>
           <a:lstStyle/>
           <a:p>
-            <a:fld id="{1AA11DD3-708A-4631-9339-B2D9042C3C1D}" type="slidenum">
+            <a:fld id="{851C6EF0-FDA2-4969-AD41-18AD68F80A13}" type="slidenum">
               <a:rPr lang="zh-CN" altLang="en-US" smtClean="0"/>
               <a:t>‹#›</a:t>
             </a:fld>
@@ -921,7 +921,7 @@
     </p:spTree>
     <p:extLst>
       <p:ext uri="{BB962C8B-B14F-4D97-AF65-F5344CB8AC3E}">
-        <p14:creationId xmlns:p14="http://schemas.microsoft.com/office/powerpoint/2010/main" val="475569865"/>
+        <p14:creationId xmlns:p14="http://schemas.microsoft.com/office/powerpoint/2010/main" val="151652918"/>
       </p:ext>
     </p:extLst>
   </p:cSld>
@@ -953,7 +953,7 @@
           <p:cNvPr id="2" name="标题 1">
             <a:extLst>
               <a:ext uri="{FF2B5EF4-FFF2-40B4-BE49-F238E27FC236}">
-                <a16:creationId xmlns:a16="http://schemas.microsoft.com/office/drawing/2014/main" id="{D32CC0C0-2B78-1613-DA61-1CB65B21D15E}"/>
+                <a16:creationId xmlns:a16="http://schemas.microsoft.com/office/drawing/2014/main" id="{F22701A1-F483-8EB3-85A3-2A9AFB208D6A}"/>
               </a:ext>
             </a:extLst>
           </p:cNvPr>
@@ -990,7 +990,7 @@
           <p:cNvPr id="3" name="文本占位符 2">
             <a:extLst>
               <a:ext uri="{FF2B5EF4-FFF2-40B4-BE49-F238E27FC236}">
-                <a16:creationId xmlns:a16="http://schemas.microsoft.com/office/drawing/2014/main" id="{D0D6A71F-8FB0-B272-3C6F-0A8B1E7DB1DB}"/>
+                <a16:creationId xmlns:a16="http://schemas.microsoft.com/office/drawing/2014/main" id="{942982A6-534C-3F66-4199-42D24C6CFC62}"/>
               </a:ext>
             </a:extLst>
           </p:cNvPr>
@@ -1115,7 +1115,7 @@
           <p:cNvPr id="4" name="日期占位符 3">
             <a:extLst>
               <a:ext uri="{FF2B5EF4-FFF2-40B4-BE49-F238E27FC236}">
-                <a16:creationId xmlns:a16="http://schemas.microsoft.com/office/drawing/2014/main" id="{6412F409-DEE2-331F-04B1-D7EEFC09FA7E}"/>
+                <a16:creationId xmlns:a16="http://schemas.microsoft.com/office/drawing/2014/main" id="{283E3626-B4B6-CDB7-653D-AD30387E45DF}"/>
               </a:ext>
             </a:extLst>
           </p:cNvPr>
@@ -1131,7 +1131,7 @@
           <a:bodyPr/>
           <a:lstStyle/>
           <a:p>
-            <a:fld id="{C1C0C65C-CC4E-4410-A8CF-45B0C53D5105}" type="datetimeFigureOut">
+            <a:fld id="{5E09220F-4BEC-4186-9481-8F7EB1485C57}" type="datetimeFigureOut">
               <a:rPr lang="zh-CN" altLang="en-US" smtClean="0"/>
               <a:t>2024/3/10</a:t>
             </a:fld>
@@ -1144,7 +1144,7 @@
           <p:cNvPr id="5" name="页脚占位符 4">
             <a:extLst>
               <a:ext uri="{FF2B5EF4-FFF2-40B4-BE49-F238E27FC236}">
-                <a16:creationId xmlns:a16="http://schemas.microsoft.com/office/drawing/2014/main" id="{6FFC25EC-9BC7-C2CF-7679-8B44C78D398C}"/>
+                <a16:creationId xmlns:a16="http://schemas.microsoft.com/office/drawing/2014/main" id="{37597E48-D419-76A3-B4F2-0D333DF203CE}"/>
               </a:ext>
             </a:extLst>
           </p:cNvPr>
@@ -1169,7 +1169,7 @@
           <p:cNvPr id="6" name="灯片编号占位符 5">
             <a:extLst>
               <a:ext uri="{FF2B5EF4-FFF2-40B4-BE49-F238E27FC236}">
-                <a16:creationId xmlns:a16="http://schemas.microsoft.com/office/drawing/2014/main" id="{9EFE1597-6176-6B55-FB79-2C322996AC54}"/>
+                <a16:creationId xmlns:a16="http://schemas.microsoft.com/office/drawing/2014/main" id="{4533F683-87F0-A066-654F-0663F436552E}"/>
               </a:ext>
             </a:extLst>
           </p:cNvPr>
@@ -1185,7 +1185,7 @@
           <a:bodyPr/>
           <a:lstStyle/>
           <a:p>
-            <a:fld id="{1AA11DD3-708A-4631-9339-B2D9042C3C1D}" type="slidenum">
+            <a:fld id="{851C6EF0-FDA2-4969-AD41-18AD68F80A13}" type="slidenum">
               <a:rPr lang="zh-CN" altLang="en-US" smtClean="0"/>
               <a:t>‹#›</a:t>
             </a:fld>
@@ -1196,7 +1196,7 @@
     </p:spTree>
     <p:extLst>
       <p:ext uri="{BB962C8B-B14F-4D97-AF65-F5344CB8AC3E}">
-        <p14:creationId xmlns:p14="http://schemas.microsoft.com/office/powerpoint/2010/main" val="3601018778"/>
+        <p14:creationId xmlns:p14="http://schemas.microsoft.com/office/powerpoint/2010/main" val="2064359692"/>
       </p:ext>
     </p:extLst>
   </p:cSld>
@@ -1228,7 +1228,7 @@
           <p:cNvPr id="2" name="标题 1">
             <a:extLst>
               <a:ext uri="{FF2B5EF4-FFF2-40B4-BE49-F238E27FC236}">
-                <a16:creationId xmlns:a16="http://schemas.microsoft.com/office/drawing/2014/main" id="{0C3C9ED3-3B34-812A-F355-4C5150B0FBD5}"/>
+                <a16:creationId xmlns:a16="http://schemas.microsoft.com/office/drawing/2014/main" id="{5E32B8DA-A177-F95A-64C9-FDCCB199C863}"/>
               </a:ext>
             </a:extLst>
           </p:cNvPr>
@@ -1256,7 +1256,7 @@
           <p:cNvPr id="3" name="内容占位符 2">
             <a:extLst>
               <a:ext uri="{FF2B5EF4-FFF2-40B4-BE49-F238E27FC236}">
-                <a16:creationId xmlns:a16="http://schemas.microsoft.com/office/drawing/2014/main" id="{6F813190-7DEF-2B05-B477-1D4AEF0AB4CC}"/>
+                <a16:creationId xmlns:a16="http://schemas.microsoft.com/office/drawing/2014/main" id="{E473B478-7945-1F6D-EFA9-AB5863CF6C3F}"/>
               </a:ext>
             </a:extLst>
           </p:cNvPr>
@@ -1318,7 +1318,7 @@
           <p:cNvPr id="4" name="内容占位符 3">
             <a:extLst>
               <a:ext uri="{FF2B5EF4-FFF2-40B4-BE49-F238E27FC236}">
-                <a16:creationId xmlns:a16="http://schemas.microsoft.com/office/drawing/2014/main" id="{CD141547-A452-AB97-CB60-37CACE631D7A}"/>
+                <a16:creationId xmlns:a16="http://schemas.microsoft.com/office/drawing/2014/main" id="{B776F314-2041-0301-6ED5-4A741E51A07B}"/>
               </a:ext>
             </a:extLst>
           </p:cNvPr>
@@ -1380,7 +1380,7 @@
           <p:cNvPr id="5" name="日期占位符 4">
             <a:extLst>
               <a:ext uri="{FF2B5EF4-FFF2-40B4-BE49-F238E27FC236}">
-                <a16:creationId xmlns:a16="http://schemas.microsoft.com/office/drawing/2014/main" id="{A40D3690-3FF6-E0AE-174E-DAE620DA123D}"/>
+                <a16:creationId xmlns:a16="http://schemas.microsoft.com/office/drawing/2014/main" id="{9BC62702-BC43-A272-9F82-36D8EC77E622}"/>
               </a:ext>
             </a:extLst>
           </p:cNvPr>
@@ -1396,7 +1396,7 @@
           <a:bodyPr/>
           <a:lstStyle/>
           <a:p>
-            <a:fld id="{C1C0C65C-CC4E-4410-A8CF-45B0C53D5105}" type="datetimeFigureOut">
+            <a:fld id="{5E09220F-4BEC-4186-9481-8F7EB1485C57}" type="datetimeFigureOut">
               <a:rPr lang="zh-CN" altLang="en-US" smtClean="0"/>
               <a:t>2024/3/10</a:t>
             </a:fld>
@@ -1409,7 +1409,7 @@
           <p:cNvPr id="6" name="页脚占位符 5">
             <a:extLst>
               <a:ext uri="{FF2B5EF4-FFF2-40B4-BE49-F238E27FC236}">
-                <a16:creationId xmlns:a16="http://schemas.microsoft.com/office/drawing/2014/main" id="{F6E91757-DF9C-B803-D144-6DA153D30A94}"/>
+                <a16:creationId xmlns:a16="http://schemas.microsoft.com/office/drawing/2014/main" id="{AC731A85-C64F-E797-A905-2C61E9FA6B00}"/>
               </a:ext>
             </a:extLst>
           </p:cNvPr>
@@ -1434,7 +1434,7 @@
           <p:cNvPr id="7" name="灯片编号占位符 6">
             <a:extLst>
               <a:ext uri="{FF2B5EF4-FFF2-40B4-BE49-F238E27FC236}">
-                <a16:creationId xmlns:a16="http://schemas.microsoft.com/office/drawing/2014/main" id="{7CD5BB86-E1C1-319A-A596-8B594D0D8F34}"/>
+                <a16:creationId xmlns:a16="http://schemas.microsoft.com/office/drawing/2014/main" id="{2DA67C1A-A7EA-77D6-432B-0B33CA9A2984}"/>
               </a:ext>
             </a:extLst>
           </p:cNvPr>
@@ -1450,7 +1450,7 @@
           <a:bodyPr/>
           <a:lstStyle/>
           <a:p>
-            <a:fld id="{1AA11DD3-708A-4631-9339-B2D9042C3C1D}" type="slidenum">
+            <a:fld id="{851C6EF0-FDA2-4969-AD41-18AD68F80A13}" type="slidenum">
               <a:rPr lang="zh-CN" altLang="en-US" smtClean="0"/>
               <a:t>‹#›</a:t>
             </a:fld>
@@ -1461,7 +1461,7 @@
     </p:spTree>
     <p:extLst>
       <p:ext uri="{BB962C8B-B14F-4D97-AF65-F5344CB8AC3E}">
-        <p14:creationId xmlns:p14="http://schemas.microsoft.com/office/powerpoint/2010/main" val="3823359416"/>
+        <p14:creationId xmlns:p14="http://schemas.microsoft.com/office/powerpoint/2010/main" val="2440512030"/>
       </p:ext>
     </p:extLst>
   </p:cSld>
@@ -1493,7 +1493,7 @@
           <p:cNvPr id="2" name="标题 1">
             <a:extLst>
               <a:ext uri="{FF2B5EF4-FFF2-40B4-BE49-F238E27FC236}">
-                <a16:creationId xmlns:a16="http://schemas.microsoft.com/office/drawing/2014/main" id="{604E74E2-8100-1EC9-FC55-859BCCEE9D43}"/>
+                <a16:creationId xmlns:a16="http://schemas.microsoft.com/office/drawing/2014/main" id="{9BAE0B23-5CE5-B9CB-7ECE-4C253E256B4B}"/>
               </a:ext>
             </a:extLst>
           </p:cNvPr>
@@ -1526,7 +1526,7 @@
           <p:cNvPr id="3" name="文本占位符 2">
             <a:extLst>
               <a:ext uri="{FF2B5EF4-FFF2-40B4-BE49-F238E27FC236}">
-                <a16:creationId xmlns:a16="http://schemas.microsoft.com/office/drawing/2014/main" id="{029DBB4C-D498-69C6-0E89-A268AC09D4A1}"/>
+                <a16:creationId xmlns:a16="http://schemas.microsoft.com/office/drawing/2014/main" id="{97FC11A9-C75B-8056-761B-77AFC1F1FBA1}"/>
               </a:ext>
             </a:extLst>
           </p:cNvPr>
@@ -1597,7 +1597,7 @@
           <p:cNvPr id="4" name="内容占位符 3">
             <a:extLst>
               <a:ext uri="{FF2B5EF4-FFF2-40B4-BE49-F238E27FC236}">
-                <a16:creationId xmlns:a16="http://schemas.microsoft.com/office/drawing/2014/main" id="{43DF95BD-D040-B57D-72BD-2C9D1083793E}"/>
+                <a16:creationId xmlns:a16="http://schemas.microsoft.com/office/drawing/2014/main" id="{159F63BC-0D9A-4353-0FF3-64146E38E53A}"/>
               </a:ext>
             </a:extLst>
           </p:cNvPr>
@@ -1659,7 +1659,7 @@
           <p:cNvPr id="5" name="文本占位符 4">
             <a:extLst>
               <a:ext uri="{FF2B5EF4-FFF2-40B4-BE49-F238E27FC236}">
-                <a16:creationId xmlns:a16="http://schemas.microsoft.com/office/drawing/2014/main" id="{AA1019A0-1848-DEFE-7A35-873364D9D16A}"/>
+                <a16:creationId xmlns:a16="http://schemas.microsoft.com/office/drawing/2014/main" id="{D6AAD90B-5978-F7D3-7DB1-C5C36A9CB369}"/>
               </a:ext>
             </a:extLst>
           </p:cNvPr>
@@ -1730,7 +1730,7 @@
           <p:cNvPr id="6" name="内容占位符 5">
             <a:extLst>
               <a:ext uri="{FF2B5EF4-FFF2-40B4-BE49-F238E27FC236}">
-                <a16:creationId xmlns:a16="http://schemas.microsoft.com/office/drawing/2014/main" id="{8A5D2059-687B-2D56-D7F6-E0D2CEDD031E}"/>
+                <a16:creationId xmlns:a16="http://schemas.microsoft.com/office/drawing/2014/main" id="{E055C1CC-F0C2-3F63-B465-6FC0881449E5}"/>
               </a:ext>
             </a:extLst>
           </p:cNvPr>
@@ -1792,7 +1792,7 @@
           <p:cNvPr id="7" name="日期占位符 6">
             <a:extLst>
               <a:ext uri="{FF2B5EF4-FFF2-40B4-BE49-F238E27FC236}">
-                <a16:creationId xmlns:a16="http://schemas.microsoft.com/office/drawing/2014/main" id="{53916ACC-5A0F-8901-8460-15BFE098B88E}"/>
+                <a16:creationId xmlns:a16="http://schemas.microsoft.com/office/drawing/2014/main" id="{B16DF47D-6716-2E9B-2950-398A92C47B19}"/>
               </a:ext>
             </a:extLst>
           </p:cNvPr>
@@ -1808,7 +1808,7 @@
           <a:bodyPr/>
           <a:lstStyle/>
           <a:p>
-            <a:fld id="{C1C0C65C-CC4E-4410-A8CF-45B0C53D5105}" type="datetimeFigureOut">
+            <a:fld id="{5E09220F-4BEC-4186-9481-8F7EB1485C57}" type="datetimeFigureOut">
               <a:rPr lang="zh-CN" altLang="en-US" smtClean="0"/>
               <a:t>2024/3/10</a:t>
             </a:fld>
@@ -1821,7 +1821,7 @@
           <p:cNvPr id="8" name="页脚占位符 7">
             <a:extLst>
               <a:ext uri="{FF2B5EF4-FFF2-40B4-BE49-F238E27FC236}">
-                <a16:creationId xmlns:a16="http://schemas.microsoft.com/office/drawing/2014/main" id="{FA1C3CDC-6BAE-638D-3FCC-786FB120B774}"/>
+                <a16:creationId xmlns:a16="http://schemas.microsoft.com/office/drawing/2014/main" id="{7BF9E799-E72F-36B6-B94D-2BBDFDF18966}"/>
               </a:ext>
             </a:extLst>
           </p:cNvPr>
@@ -1846,7 +1846,7 @@
           <p:cNvPr id="9" name="灯片编号占位符 8">
             <a:extLst>
               <a:ext uri="{FF2B5EF4-FFF2-40B4-BE49-F238E27FC236}">
-                <a16:creationId xmlns:a16="http://schemas.microsoft.com/office/drawing/2014/main" id="{21D31BB6-3EF3-2D63-B7F3-B8D15A66B4C5}"/>
+                <a16:creationId xmlns:a16="http://schemas.microsoft.com/office/drawing/2014/main" id="{6847BB79-E115-16B8-275F-BE9E6A290789}"/>
               </a:ext>
             </a:extLst>
           </p:cNvPr>
@@ -1862,7 +1862,7 @@
           <a:bodyPr/>
           <a:lstStyle/>
           <a:p>
-            <a:fld id="{1AA11DD3-708A-4631-9339-B2D9042C3C1D}" type="slidenum">
+            <a:fld id="{851C6EF0-FDA2-4969-AD41-18AD68F80A13}" type="slidenum">
               <a:rPr lang="zh-CN" altLang="en-US" smtClean="0"/>
               <a:t>‹#›</a:t>
             </a:fld>
@@ -1873,7 +1873,7 @@
     </p:spTree>
     <p:extLst>
       <p:ext uri="{BB962C8B-B14F-4D97-AF65-F5344CB8AC3E}">
-        <p14:creationId xmlns:p14="http://schemas.microsoft.com/office/powerpoint/2010/main" val="1799767117"/>
+        <p14:creationId xmlns:p14="http://schemas.microsoft.com/office/powerpoint/2010/main" val="1875814354"/>
       </p:ext>
     </p:extLst>
   </p:cSld>
@@ -1905,7 +1905,7 @@
           <p:cNvPr id="2" name="标题 1">
             <a:extLst>
               <a:ext uri="{FF2B5EF4-FFF2-40B4-BE49-F238E27FC236}">
-                <a16:creationId xmlns:a16="http://schemas.microsoft.com/office/drawing/2014/main" id="{1F3A561C-4CFA-1C68-5E9E-CBCEB9E9312C}"/>
+                <a16:creationId xmlns:a16="http://schemas.microsoft.com/office/drawing/2014/main" id="{EC9C12F3-E653-1AA2-02CE-C1B695180D7F}"/>
               </a:ext>
             </a:extLst>
           </p:cNvPr>
@@ -1933,7 +1933,7 @@
           <p:cNvPr id="3" name="日期占位符 2">
             <a:extLst>
               <a:ext uri="{FF2B5EF4-FFF2-40B4-BE49-F238E27FC236}">
-                <a16:creationId xmlns:a16="http://schemas.microsoft.com/office/drawing/2014/main" id="{5EE63C1B-EFCF-9AEB-251B-89630E631DCF}"/>
+                <a16:creationId xmlns:a16="http://schemas.microsoft.com/office/drawing/2014/main" id="{3B858011-5EB1-3C84-FEA0-E786DFCA9C27}"/>
               </a:ext>
             </a:extLst>
           </p:cNvPr>
@@ -1949,7 +1949,7 @@
           <a:bodyPr/>
           <a:lstStyle/>
           <a:p>
-            <a:fld id="{C1C0C65C-CC4E-4410-A8CF-45B0C53D5105}" type="datetimeFigureOut">
+            <a:fld id="{5E09220F-4BEC-4186-9481-8F7EB1485C57}" type="datetimeFigureOut">
               <a:rPr lang="zh-CN" altLang="en-US" smtClean="0"/>
               <a:t>2024/3/10</a:t>
             </a:fld>
@@ -1962,7 +1962,7 @@
           <p:cNvPr id="4" name="页脚占位符 3">
             <a:extLst>
               <a:ext uri="{FF2B5EF4-FFF2-40B4-BE49-F238E27FC236}">
-                <a16:creationId xmlns:a16="http://schemas.microsoft.com/office/drawing/2014/main" id="{CC97CF5E-C425-CDA7-DF56-F167E2EDCC40}"/>
+                <a16:creationId xmlns:a16="http://schemas.microsoft.com/office/drawing/2014/main" id="{01493656-5F7A-4BE2-8412-B234442520A9}"/>
               </a:ext>
             </a:extLst>
           </p:cNvPr>
@@ -1987,7 +1987,7 @@
           <p:cNvPr id="5" name="灯片编号占位符 4">
             <a:extLst>
               <a:ext uri="{FF2B5EF4-FFF2-40B4-BE49-F238E27FC236}">
-                <a16:creationId xmlns:a16="http://schemas.microsoft.com/office/drawing/2014/main" id="{0581E61D-7301-070F-D541-C67ABF88425A}"/>
+                <a16:creationId xmlns:a16="http://schemas.microsoft.com/office/drawing/2014/main" id="{A806F19E-14B8-457D-864A-353FA2856344}"/>
               </a:ext>
             </a:extLst>
           </p:cNvPr>
@@ -2003,7 +2003,7 @@
           <a:bodyPr/>
           <a:lstStyle/>
           <a:p>
-            <a:fld id="{1AA11DD3-708A-4631-9339-B2D9042C3C1D}" type="slidenum">
+            <a:fld id="{851C6EF0-FDA2-4969-AD41-18AD68F80A13}" type="slidenum">
               <a:rPr lang="zh-CN" altLang="en-US" smtClean="0"/>
               <a:t>‹#›</a:t>
             </a:fld>
@@ -2014,7 +2014,7 @@
     </p:spTree>
     <p:extLst>
       <p:ext uri="{BB962C8B-B14F-4D97-AF65-F5344CB8AC3E}">
-        <p14:creationId xmlns:p14="http://schemas.microsoft.com/office/powerpoint/2010/main" val="2747905270"/>
+        <p14:creationId xmlns:p14="http://schemas.microsoft.com/office/powerpoint/2010/main" val="3982054323"/>
       </p:ext>
     </p:extLst>
   </p:cSld>
@@ -2046,7 +2046,7 @@
           <p:cNvPr id="2" name="日期占位符 1">
             <a:extLst>
               <a:ext uri="{FF2B5EF4-FFF2-40B4-BE49-F238E27FC236}">
-                <a16:creationId xmlns:a16="http://schemas.microsoft.com/office/drawing/2014/main" id="{45379EE5-ACCD-2A51-8FC9-AF922CF0F336}"/>
+                <a16:creationId xmlns:a16="http://schemas.microsoft.com/office/drawing/2014/main" id="{0C279CC7-9A0B-90A6-C8A9-553309F8D25B}"/>
               </a:ext>
             </a:extLst>
           </p:cNvPr>
@@ -2062,7 +2062,7 @@
           <a:bodyPr/>
           <a:lstStyle/>
           <a:p>
-            <a:fld id="{C1C0C65C-CC4E-4410-A8CF-45B0C53D5105}" type="datetimeFigureOut">
+            <a:fld id="{5E09220F-4BEC-4186-9481-8F7EB1485C57}" type="datetimeFigureOut">
               <a:rPr lang="zh-CN" altLang="en-US" smtClean="0"/>
               <a:t>2024/3/10</a:t>
             </a:fld>
@@ -2075,7 +2075,7 @@
           <p:cNvPr id="3" name="页脚占位符 2">
             <a:extLst>
               <a:ext uri="{FF2B5EF4-FFF2-40B4-BE49-F238E27FC236}">
-                <a16:creationId xmlns:a16="http://schemas.microsoft.com/office/drawing/2014/main" id="{5AAFC747-918B-1BC0-76A9-ABCD4AD06DD9}"/>
+                <a16:creationId xmlns:a16="http://schemas.microsoft.com/office/drawing/2014/main" id="{3F21CC49-17D2-9C26-4A3C-A9D10DFD8EF4}"/>
               </a:ext>
             </a:extLst>
           </p:cNvPr>
@@ -2100,7 +2100,7 @@
           <p:cNvPr id="4" name="灯片编号占位符 3">
             <a:extLst>
               <a:ext uri="{FF2B5EF4-FFF2-40B4-BE49-F238E27FC236}">
-                <a16:creationId xmlns:a16="http://schemas.microsoft.com/office/drawing/2014/main" id="{41A042A3-BC47-0CF7-BB0B-1CE96BBC5F79}"/>
+                <a16:creationId xmlns:a16="http://schemas.microsoft.com/office/drawing/2014/main" id="{E57AA6ED-309E-2418-3DB8-4122A34E4E77}"/>
               </a:ext>
             </a:extLst>
           </p:cNvPr>
@@ -2116,7 +2116,7 @@
           <a:bodyPr/>
           <a:lstStyle/>
           <a:p>
-            <a:fld id="{1AA11DD3-708A-4631-9339-B2D9042C3C1D}" type="slidenum">
+            <a:fld id="{851C6EF0-FDA2-4969-AD41-18AD68F80A13}" type="slidenum">
               <a:rPr lang="zh-CN" altLang="en-US" smtClean="0"/>
               <a:t>‹#›</a:t>
             </a:fld>
@@ -2127,7 +2127,7 @@
     </p:spTree>
     <p:extLst>
       <p:ext uri="{BB962C8B-B14F-4D97-AF65-F5344CB8AC3E}">
-        <p14:creationId xmlns:p14="http://schemas.microsoft.com/office/powerpoint/2010/main" val="1926825680"/>
+        <p14:creationId xmlns:p14="http://schemas.microsoft.com/office/powerpoint/2010/main" val="1726502248"/>
       </p:ext>
     </p:extLst>
   </p:cSld>
@@ -2159,7 +2159,7 @@
           <p:cNvPr id="2" name="标题 1">
             <a:extLst>
               <a:ext uri="{FF2B5EF4-FFF2-40B4-BE49-F238E27FC236}">
-                <a16:creationId xmlns:a16="http://schemas.microsoft.com/office/drawing/2014/main" id="{8BA3C2A9-B3B7-3474-F0F7-0F216660CFA5}"/>
+                <a16:creationId xmlns:a16="http://schemas.microsoft.com/office/drawing/2014/main" id="{33E4B8BD-BCEC-7C80-D4CD-B653E36366B2}"/>
               </a:ext>
             </a:extLst>
           </p:cNvPr>
@@ -2196,7 +2196,7 @@
           <p:cNvPr id="3" name="内容占位符 2">
             <a:extLst>
               <a:ext uri="{FF2B5EF4-FFF2-40B4-BE49-F238E27FC236}">
-                <a16:creationId xmlns:a16="http://schemas.microsoft.com/office/drawing/2014/main" id="{398F9E66-55DB-E0DB-8234-B33FB281C6E1}"/>
+                <a16:creationId xmlns:a16="http://schemas.microsoft.com/office/drawing/2014/main" id="{0F31BB86-F74F-D850-0CD1-A9C9982DBD08}"/>
               </a:ext>
             </a:extLst>
           </p:cNvPr>
@@ -2286,7 +2286,7 @@
           <p:cNvPr id="4" name="文本占位符 3">
             <a:extLst>
               <a:ext uri="{FF2B5EF4-FFF2-40B4-BE49-F238E27FC236}">
-                <a16:creationId xmlns:a16="http://schemas.microsoft.com/office/drawing/2014/main" id="{05AC0B08-AD7D-75E9-CC4D-419F51B56E68}"/>
+                <a16:creationId xmlns:a16="http://schemas.microsoft.com/office/drawing/2014/main" id="{04DAE0F3-F99A-4AF9-8AE1-4E93E71CCE09}"/>
               </a:ext>
             </a:extLst>
           </p:cNvPr>
@@ -2357,7 +2357,7 @@
           <p:cNvPr id="5" name="日期占位符 4">
             <a:extLst>
               <a:ext uri="{FF2B5EF4-FFF2-40B4-BE49-F238E27FC236}">
-                <a16:creationId xmlns:a16="http://schemas.microsoft.com/office/drawing/2014/main" id="{1C57C779-873D-B233-0B2A-C27B77BA4B32}"/>
+                <a16:creationId xmlns:a16="http://schemas.microsoft.com/office/drawing/2014/main" id="{8862C9A2-B0B8-1278-B460-DF2903C25DB3}"/>
               </a:ext>
             </a:extLst>
           </p:cNvPr>
@@ -2373,7 +2373,7 @@
           <a:bodyPr/>
           <a:lstStyle/>
           <a:p>
-            <a:fld id="{C1C0C65C-CC4E-4410-A8CF-45B0C53D5105}" type="datetimeFigureOut">
+            <a:fld id="{5E09220F-4BEC-4186-9481-8F7EB1485C57}" type="datetimeFigureOut">
               <a:rPr lang="zh-CN" altLang="en-US" smtClean="0"/>
               <a:t>2024/3/10</a:t>
             </a:fld>
@@ -2386,7 +2386,7 @@
           <p:cNvPr id="6" name="页脚占位符 5">
             <a:extLst>
               <a:ext uri="{FF2B5EF4-FFF2-40B4-BE49-F238E27FC236}">
-                <a16:creationId xmlns:a16="http://schemas.microsoft.com/office/drawing/2014/main" id="{9E4EED00-5D85-D6DE-C2C4-D30C64B36896}"/>
+                <a16:creationId xmlns:a16="http://schemas.microsoft.com/office/drawing/2014/main" id="{57BF43CD-ECD0-6C57-D74B-843EA45C4A10}"/>
               </a:ext>
             </a:extLst>
           </p:cNvPr>
@@ -2411,7 +2411,7 @@
           <p:cNvPr id="7" name="灯片编号占位符 6">
             <a:extLst>
               <a:ext uri="{FF2B5EF4-FFF2-40B4-BE49-F238E27FC236}">
-                <a16:creationId xmlns:a16="http://schemas.microsoft.com/office/drawing/2014/main" id="{E5695F60-B7AD-C6C1-F20B-8E455BD4AB03}"/>
+                <a16:creationId xmlns:a16="http://schemas.microsoft.com/office/drawing/2014/main" id="{0014BFCC-88AB-1ECA-B6CD-FD697BAC4840}"/>
               </a:ext>
             </a:extLst>
           </p:cNvPr>
@@ -2427,7 +2427,7 @@
           <a:bodyPr/>
           <a:lstStyle/>
           <a:p>
-            <a:fld id="{1AA11DD3-708A-4631-9339-B2D9042C3C1D}" type="slidenum">
+            <a:fld id="{851C6EF0-FDA2-4969-AD41-18AD68F80A13}" type="slidenum">
               <a:rPr lang="zh-CN" altLang="en-US" smtClean="0"/>
               <a:t>‹#›</a:t>
             </a:fld>
@@ -2438,7 +2438,7 @@
     </p:spTree>
     <p:extLst>
       <p:ext uri="{BB962C8B-B14F-4D97-AF65-F5344CB8AC3E}">
-        <p14:creationId xmlns:p14="http://schemas.microsoft.com/office/powerpoint/2010/main" val="216670710"/>
+        <p14:creationId xmlns:p14="http://schemas.microsoft.com/office/powerpoint/2010/main" val="729441221"/>
       </p:ext>
     </p:extLst>
   </p:cSld>
@@ -2470,7 +2470,7 @@
           <p:cNvPr id="2" name="标题 1">
             <a:extLst>
               <a:ext uri="{FF2B5EF4-FFF2-40B4-BE49-F238E27FC236}">
-                <a16:creationId xmlns:a16="http://schemas.microsoft.com/office/drawing/2014/main" id="{55DC9F8C-6104-97B4-0FA7-4ACC70BDC9D0}"/>
+                <a16:creationId xmlns:a16="http://schemas.microsoft.com/office/drawing/2014/main" id="{39853D75-E5FD-9837-609B-F6C60EFCB257}"/>
               </a:ext>
             </a:extLst>
           </p:cNvPr>
@@ -2507,7 +2507,7 @@
           <p:cNvPr id="3" name="图片占位符 2">
             <a:extLst>
               <a:ext uri="{FF2B5EF4-FFF2-40B4-BE49-F238E27FC236}">
-                <a16:creationId xmlns:a16="http://schemas.microsoft.com/office/drawing/2014/main" id="{83E82BBB-2CF7-C2DE-456B-1BC4A981C52B}"/>
+                <a16:creationId xmlns:a16="http://schemas.microsoft.com/office/drawing/2014/main" id="{54D23DA5-1500-15F3-786C-F867BBBF8DFB}"/>
               </a:ext>
             </a:extLst>
           </p:cNvPr>
@@ -2574,7 +2574,7 @@
           <p:cNvPr id="4" name="文本占位符 3">
             <a:extLst>
               <a:ext uri="{FF2B5EF4-FFF2-40B4-BE49-F238E27FC236}">
-                <a16:creationId xmlns:a16="http://schemas.microsoft.com/office/drawing/2014/main" id="{8452F1FC-8A04-61D4-2E76-E1558362BDCF}"/>
+                <a16:creationId xmlns:a16="http://schemas.microsoft.com/office/drawing/2014/main" id="{39C2B7CA-0327-9EFC-EFED-247A895DEE29}"/>
               </a:ext>
             </a:extLst>
           </p:cNvPr>
@@ -2645,7 +2645,7 @@
           <p:cNvPr id="5" name="日期占位符 4">
             <a:extLst>
               <a:ext uri="{FF2B5EF4-FFF2-40B4-BE49-F238E27FC236}">
-                <a16:creationId xmlns:a16="http://schemas.microsoft.com/office/drawing/2014/main" id="{A65C7E5D-BBEE-92E0-5ED3-656421D691CE}"/>
+                <a16:creationId xmlns:a16="http://schemas.microsoft.com/office/drawing/2014/main" id="{94FBD282-E85E-1DB0-798A-FEEDB9FC42A2}"/>
               </a:ext>
             </a:extLst>
           </p:cNvPr>
@@ -2661,7 +2661,7 @@
           <a:bodyPr/>
           <a:lstStyle/>
           <a:p>
-            <a:fld id="{C1C0C65C-CC4E-4410-A8CF-45B0C53D5105}" type="datetimeFigureOut">
+            <a:fld id="{5E09220F-4BEC-4186-9481-8F7EB1485C57}" type="datetimeFigureOut">
               <a:rPr lang="zh-CN" altLang="en-US" smtClean="0"/>
               <a:t>2024/3/10</a:t>
             </a:fld>
@@ -2674,7 +2674,7 @@
           <p:cNvPr id="6" name="页脚占位符 5">
             <a:extLst>
               <a:ext uri="{FF2B5EF4-FFF2-40B4-BE49-F238E27FC236}">
-                <a16:creationId xmlns:a16="http://schemas.microsoft.com/office/drawing/2014/main" id="{F7DEA3C2-28A6-D9CF-0059-B65EAD8603CB}"/>
+                <a16:creationId xmlns:a16="http://schemas.microsoft.com/office/drawing/2014/main" id="{307B7470-551F-05F6-4C73-15EC6F4297A0}"/>
               </a:ext>
             </a:extLst>
           </p:cNvPr>
@@ -2699,7 +2699,7 @@
           <p:cNvPr id="7" name="灯片编号占位符 6">
             <a:extLst>
               <a:ext uri="{FF2B5EF4-FFF2-40B4-BE49-F238E27FC236}">
-                <a16:creationId xmlns:a16="http://schemas.microsoft.com/office/drawing/2014/main" id="{F1F250F8-7479-EAB7-8F47-3EBEDAC52B10}"/>
+                <a16:creationId xmlns:a16="http://schemas.microsoft.com/office/drawing/2014/main" id="{1997AAF7-BCF5-3E85-3531-F6E27FE94BC1}"/>
               </a:ext>
             </a:extLst>
           </p:cNvPr>
@@ -2715,7 +2715,7 @@
           <a:bodyPr/>
           <a:lstStyle/>
           <a:p>
-            <a:fld id="{1AA11DD3-708A-4631-9339-B2D9042C3C1D}" type="slidenum">
+            <a:fld id="{851C6EF0-FDA2-4969-AD41-18AD68F80A13}" type="slidenum">
               <a:rPr lang="zh-CN" altLang="en-US" smtClean="0"/>
               <a:t>‹#›</a:t>
             </a:fld>
@@ -2726,7 +2726,7 @@
     </p:spTree>
     <p:extLst>
       <p:ext uri="{BB962C8B-B14F-4D97-AF65-F5344CB8AC3E}">
-        <p14:creationId xmlns:p14="http://schemas.microsoft.com/office/powerpoint/2010/main" val="96478637"/>
+        <p14:creationId xmlns:p14="http://schemas.microsoft.com/office/powerpoint/2010/main" val="2439701033"/>
       </p:ext>
     </p:extLst>
   </p:cSld>
@@ -2763,7 +2763,7 @@
           <p:cNvPr id="2" name="标题占位符 1">
             <a:extLst>
               <a:ext uri="{FF2B5EF4-FFF2-40B4-BE49-F238E27FC236}">
-                <a16:creationId xmlns:a16="http://schemas.microsoft.com/office/drawing/2014/main" id="{2E63C208-7BDC-1867-8CB9-6B9A4DCF1583}"/>
+                <a16:creationId xmlns:a16="http://schemas.microsoft.com/office/drawing/2014/main" id="{74981490-8157-A876-0A2A-342133B13E61}"/>
               </a:ext>
             </a:extLst>
           </p:cNvPr>
@@ -2801,7 +2801,7 @@
           <p:cNvPr id="3" name="文本占位符 2">
             <a:extLst>
               <a:ext uri="{FF2B5EF4-FFF2-40B4-BE49-F238E27FC236}">
-                <a16:creationId xmlns:a16="http://schemas.microsoft.com/office/drawing/2014/main" id="{F764C82B-6628-02D4-6BA5-1E7AADCFF839}"/>
+                <a16:creationId xmlns:a16="http://schemas.microsoft.com/office/drawing/2014/main" id="{FD47B9FA-4BC6-87E6-FE66-A60761DEBFCB}"/>
               </a:ext>
             </a:extLst>
           </p:cNvPr>
@@ -2868,7 +2868,7 @@
           <p:cNvPr id="4" name="日期占位符 3">
             <a:extLst>
               <a:ext uri="{FF2B5EF4-FFF2-40B4-BE49-F238E27FC236}">
-                <a16:creationId xmlns:a16="http://schemas.microsoft.com/office/drawing/2014/main" id="{4862E1E1-319A-80C6-5254-57140B337230}"/>
+                <a16:creationId xmlns:a16="http://schemas.microsoft.com/office/drawing/2014/main" id="{722A3B5E-2E40-AF7A-C7B6-389A9744292B}"/>
               </a:ext>
             </a:extLst>
           </p:cNvPr>
@@ -2902,7 +2902,7 @@
             </a:lvl1pPr>
           </a:lstStyle>
           <a:p>
-            <a:fld id="{C1C0C65C-CC4E-4410-A8CF-45B0C53D5105}" type="datetimeFigureOut">
+            <a:fld id="{5E09220F-4BEC-4186-9481-8F7EB1485C57}" type="datetimeFigureOut">
               <a:rPr lang="zh-CN" altLang="en-US" smtClean="0"/>
               <a:t>2024/3/10</a:t>
             </a:fld>
@@ -2915,7 +2915,7 @@
           <p:cNvPr id="5" name="页脚占位符 4">
             <a:extLst>
               <a:ext uri="{FF2B5EF4-FFF2-40B4-BE49-F238E27FC236}">
-                <a16:creationId xmlns:a16="http://schemas.microsoft.com/office/drawing/2014/main" id="{AEAEFFF2-22A0-9CB5-F377-31AEF904A3FB}"/>
+                <a16:creationId xmlns:a16="http://schemas.microsoft.com/office/drawing/2014/main" id="{5B1D0778-2543-9ECE-3B34-A1BE33539B73}"/>
               </a:ext>
             </a:extLst>
           </p:cNvPr>
@@ -2958,7 +2958,7 @@
           <p:cNvPr id="6" name="灯片编号占位符 5">
             <a:extLst>
               <a:ext uri="{FF2B5EF4-FFF2-40B4-BE49-F238E27FC236}">
-                <a16:creationId xmlns:a16="http://schemas.microsoft.com/office/drawing/2014/main" id="{9AE92236-CEF8-720C-4635-F4C9BBC6FA5B}"/>
+                <a16:creationId xmlns:a16="http://schemas.microsoft.com/office/drawing/2014/main" id="{9B37BDF2-8B15-DD71-1B85-2C3B6F6CD911}"/>
               </a:ext>
             </a:extLst>
           </p:cNvPr>
@@ -2992,7 +2992,7 @@
             </a:lvl1pPr>
           </a:lstStyle>
           <a:p>
-            <a:fld id="{1AA11DD3-708A-4631-9339-B2D9042C3C1D}" type="slidenum">
+            <a:fld id="{851C6EF0-FDA2-4969-AD41-18AD68F80A13}" type="slidenum">
               <a:rPr lang="zh-CN" altLang="en-US" smtClean="0"/>
               <a:t>‹#›</a:t>
             </a:fld>
@@ -3003,7 +3003,7 @@
     </p:spTree>
     <p:extLst>
       <p:ext uri="{BB962C8B-B14F-4D97-AF65-F5344CB8AC3E}">
-        <p14:creationId xmlns:p14="http://schemas.microsoft.com/office/powerpoint/2010/main" val="1120113675"/>
+        <p14:creationId xmlns:p14="http://schemas.microsoft.com/office/powerpoint/2010/main" val="3671102174"/>
       </p:ext>
     </p:extLst>
   </p:cSld>
@@ -3323,7 +3323,7 @@
       </p:grpSpPr>
       <p:pic>
         <p:nvPicPr>
-          <p:cNvPr id="262146" name="Picture 2" descr="255"/>
+          <p:cNvPr id="263170" name="Picture 2" descr="256"/>
           <p:cNvPicPr>
             <a:picLocks noChangeAspect="1" noChangeArrowheads="1"/>
           </p:cNvPicPr>
@@ -3344,8 +3344,8 @@
         </p:blipFill>
         <p:spPr bwMode="auto">
           <a:xfrm>
-            <a:off x="1524000" y="0"/>
-            <a:ext cx="9144000" cy="6858000"/>
+            <a:off x="1524000" y="1"/>
+            <a:ext cx="9144000" cy="6670675"/>
           </a:xfrm>
           <a:prstGeom prst="rect">
             <a:avLst/>
@@ -3377,7 +3377,7 @@
       </p:pic>
       <p:pic>
         <p:nvPicPr>
-          <p:cNvPr id="263171" name="Picture 3" descr="255-2"/>
+          <p:cNvPr id="264195" name="Picture 3" descr="256-2"/>
           <p:cNvPicPr>
             <a:picLocks noChangeAspect="1" noChangeArrowheads="1"/>
           </p:cNvPicPr>
@@ -3398,8 +3398,8 @@
         </p:blipFill>
         <p:spPr bwMode="auto">
           <a:xfrm>
-            <a:off x="1524000" y="1"/>
-            <a:ext cx="9144000" cy="6238875"/>
+            <a:off x="1524000" y="0"/>
+            <a:ext cx="9144000" cy="6858000"/>
           </a:xfrm>
           <a:prstGeom prst="rect">
             <a:avLst/>
@@ -3478,7 +3478,7 @@
                                           </p:stCondLst>
                                         </p:cTn>
                                         <p:tgtEl>
-                                          <p:spTgt spid="263171"/>
+                                          <p:spTgt spid="264195"/>
                                         </p:tgtEl>
                                         <p:attrNameLst>
                                           <p:attrName>style.visibility</p:attrName>
@@ -3492,7 +3492,7 @@
                                       <p:cBhvr>
                                         <p:cTn id="7" dur="500"/>
                                         <p:tgtEl>
-                                          <p:spTgt spid="263171"/>
+                                          <p:spTgt spid="264195"/>
                                         </p:tgtEl>
                                       </p:cBhvr>
                                     </p:animEffect>
